--- a/Fina lReport/auction_pres.pptx
+++ b/Fina lReport/auction_pres.pptx
@@ -3057,7 +3057,7 @@
           </a:ln>
           <a:extLst>
             <a:ext uri="{C572A759-6A51-4108-AA02-DFA0A04FC94B}">
-              <ma14:wrappingTextBoxFlag xmlns="" xmlns:m="http://schemas.openxmlformats.org/officeDocument/2006/math" xmlns:a14="http://schemas.microsoft.com/office/drawing/2010/main" xmlns:ma14="http://schemas.microsoft.com/office/mac/drawingml/2011/main" val="1"/>
+              <ma14:wrappingTextBoxFlag xmlns:ma14="http://schemas.microsoft.com/office/mac/drawingml/2011/main" xmlns:a14="http://schemas.microsoft.com/office/drawing/2010/main" xmlns:m="http://schemas.openxmlformats.org/officeDocument/2006/math" xmlns="" val="1"/>
             </a:ext>
           </a:extLst>
         </p:spPr>
@@ -3096,7 +3096,7 @@
           </a:ln>
           <a:extLst>
             <a:ext uri="{C572A759-6A51-4108-AA02-DFA0A04FC94B}">
-              <ma14:wrappingTextBoxFlag xmlns="" xmlns:m="http://schemas.openxmlformats.org/officeDocument/2006/math" xmlns:a14="http://schemas.microsoft.com/office/drawing/2010/main" xmlns:ma14="http://schemas.microsoft.com/office/mac/drawingml/2011/main" val="1"/>
+              <ma14:wrappingTextBoxFlag xmlns:ma14="http://schemas.microsoft.com/office/mac/drawingml/2011/main" xmlns:a14="http://schemas.microsoft.com/office/drawing/2010/main" xmlns:m="http://schemas.openxmlformats.org/officeDocument/2006/math" xmlns="" val="1"/>
             </a:ext>
           </a:extLst>
         </p:spPr>
@@ -3938,7 +3938,7 @@
           </a:prstGeom>
           <a:extLst>
             <a:ext uri="{C572A759-6A51-4108-AA02-DFA0A04FC94B}">
-              <ma14:wrappingTextBoxFlag xmlns="" xmlns:m="http://schemas.openxmlformats.org/officeDocument/2006/math" xmlns:a14="http://schemas.microsoft.com/office/drawing/2010/main" xmlns:ma14="http://schemas.microsoft.com/office/mac/drawingml/2011/main" val="1"/>
+              <ma14:wrappingTextBoxFlag xmlns:ma14="http://schemas.microsoft.com/office/mac/drawingml/2011/main" xmlns:a14="http://schemas.microsoft.com/office/drawing/2010/main" xmlns:m="http://schemas.openxmlformats.org/officeDocument/2006/math" xmlns="" val="1"/>
             </a:ext>
           </a:extLst>
         </p:spPr>
@@ -4018,7 +4018,7 @@
           </a:ln>
           <a:extLst>
             <a:ext uri="{C572A759-6A51-4108-AA02-DFA0A04FC94B}">
-              <ma14:wrappingTextBoxFlag xmlns="" xmlns:m="http://schemas.openxmlformats.org/officeDocument/2006/math" xmlns:a14="http://schemas.microsoft.com/office/drawing/2010/main" xmlns:ma14="http://schemas.microsoft.com/office/mac/drawingml/2011/main" val="1"/>
+              <ma14:wrappingTextBoxFlag xmlns:ma14="http://schemas.microsoft.com/office/mac/drawingml/2011/main" xmlns:a14="http://schemas.microsoft.com/office/drawing/2010/main" xmlns:m="http://schemas.openxmlformats.org/officeDocument/2006/math" xmlns="" val="1"/>
             </a:ext>
           </a:extLst>
         </p:spPr>
@@ -4065,7 +4065,7 @@
           </a:ln>
           <a:extLst>
             <a:ext uri="{C572A759-6A51-4108-AA02-DFA0A04FC94B}">
-              <ma14:wrappingTextBoxFlag xmlns="" xmlns:m="http://schemas.openxmlformats.org/officeDocument/2006/math" xmlns:a14="http://schemas.microsoft.com/office/drawing/2010/main" xmlns:ma14="http://schemas.microsoft.com/office/mac/drawingml/2011/main" val="1"/>
+              <ma14:wrappingTextBoxFlag xmlns:ma14="http://schemas.microsoft.com/office/mac/drawingml/2011/main" xmlns:a14="http://schemas.microsoft.com/office/drawing/2010/main" xmlns:m="http://schemas.openxmlformats.org/officeDocument/2006/math" xmlns="" val="1"/>
             </a:ext>
           </a:extLst>
         </p:spPr>
@@ -4312,7 +4312,7 @@
           </a:ln>
           <a:extLst>
             <a:ext uri="{C572A759-6A51-4108-AA02-DFA0A04FC94B}">
-              <ma14:wrappingTextBoxFlag xmlns="" xmlns:m="http://schemas.openxmlformats.org/officeDocument/2006/math" xmlns:a14="http://schemas.microsoft.com/office/drawing/2010/main" xmlns:ma14="http://schemas.microsoft.com/office/mac/drawingml/2011/main" val="1"/>
+              <ma14:wrappingTextBoxFlag xmlns:ma14="http://schemas.microsoft.com/office/mac/drawingml/2011/main" xmlns:a14="http://schemas.microsoft.com/office/drawing/2010/main" xmlns:m="http://schemas.openxmlformats.org/officeDocument/2006/math" xmlns="" val="1"/>
             </a:ext>
           </a:extLst>
         </p:spPr>
@@ -9787,7 +9787,7 @@
           </a:ln>
           <a:extLst>
             <a:ext uri="{C572A759-6A51-4108-AA02-DFA0A04FC94B}">
-              <ma14:wrappingTextBoxFlag xmlns="" xmlns:m="http://schemas.openxmlformats.org/officeDocument/2006/math" xmlns:a14="http://schemas.microsoft.com/office/drawing/2010/main" xmlns:ma14="http://schemas.microsoft.com/office/mac/drawingml/2011/main" val="1"/>
+              <ma14:wrappingTextBoxFlag xmlns:ma14="http://schemas.microsoft.com/office/mac/drawingml/2011/main" xmlns:a14="http://schemas.microsoft.com/office/drawing/2010/main" xmlns:m="http://schemas.openxmlformats.org/officeDocument/2006/math" xmlns="" val="1"/>
             </a:ext>
           </a:extLst>
         </p:spPr>
@@ -9829,7 +9829,7 @@
           </a:ln>
           <a:extLst>
             <a:ext uri="{C572A759-6A51-4108-AA02-DFA0A04FC94B}">
-              <ma14:wrappingTextBoxFlag xmlns="" xmlns:m="http://schemas.openxmlformats.org/officeDocument/2006/math" xmlns:a14="http://schemas.microsoft.com/office/drawing/2010/main" xmlns:ma14="http://schemas.microsoft.com/office/mac/drawingml/2011/main" val="1"/>
+              <ma14:wrappingTextBoxFlag xmlns:ma14="http://schemas.microsoft.com/office/mac/drawingml/2011/main" xmlns:a14="http://schemas.microsoft.com/office/drawing/2010/main" xmlns:m="http://schemas.openxmlformats.org/officeDocument/2006/math" xmlns="" val="1"/>
             </a:ext>
           </a:extLst>
         </p:spPr>
@@ -9884,7 +9884,7 @@
           </a:ln>
           <a:extLst>
             <a:ext uri="{C572A759-6A51-4108-AA02-DFA0A04FC94B}">
-              <ma14:wrappingTextBoxFlag xmlns="" xmlns:m="http://schemas.openxmlformats.org/officeDocument/2006/math" xmlns:a14="http://schemas.microsoft.com/office/drawing/2010/main" xmlns:ma14="http://schemas.microsoft.com/office/mac/drawingml/2011/main" val="1"/>
+              <ma14:wrappingTextBoxFlag xmlns:ma14="http://schemas.microsoft.com/office/mac/drawingml/2011/main" xmlns:a14="http://schemas.microsoft.com/office/drawing/2010/main" xmlns:m="http://schemas.openxmlformats.org/officeDocument/2006/math" xmlns="" val="1"/>
             </a:ext>
           </a:extLst>
         </p:spPr>
@@ -9927,7 +9927,7 @@
           </a:ln>
           <a:extLst>
             <a:ext uri="{C572A759-6A51-4108-AA02-DFA0A04FC94B}">
-              <ma14:wrappingTextBoxFlag xmlns="" xmlns:m="http://schemas.openxmlformats.org/officeDocument/2006/math" xmlns:a14="http://schemas.microsoft.com/office/drawing/2010/main" xmlns:ma14="http://schemas.microsoft.com/office/mac/drawingml/2011/main" val="1"/>
+              <ma14:wrappingTextBoxFlag xmlns:ma14="http://schemas.microsoft.com/office/mac/drawingml/2011/main" xmlns:a14="http://schemas.microsoft.com/office/drawing/2010/main" xmlns:m="http://schemas.openxmlformats.org/officeDocument/2006/math" xmlns="" val="1"/>
             </a:ext>
           </a:extLst>
         </p:spPr>
@@ -11520,7 +11520,7 @@
           </a:ln>
           <a:extLst>
             <a:ext uri="{C572A759-6A51-4108-AA02-DFA0A04FC94B}">
-              <ma14:wrappingTextBoxFlag xmlns="" xmlns:m="http://schemas.openxmlformats.org/officeDocument/2006/math" xmlns:a14="http://schemas.microsoft.com/office/drawing/2010/main" xmlns:ma14="http://schemas.microsoft.com/office/mac/drawingml/2011/main" val="1"/>
+              <ma14:wrappingTextBoxFlag xmlns:ma14="http://schemas.microsoft.com/office/mac/drawingml/2011/main" xmlns:a14="http://schemas.microsoft.com/office/drawing/2010/main" xmlns:m="http://schemas.openxmlformats.org/officeDocument/2006/math" xmlns="" val="1"/>
             </a:ext>
           </a:extLst>
         </p:spPr>
@@ -15036,7 +15036,7 @@
           </a:ln>
           <a:extLst>
             <a:ext uri="{C572A759-6A51-4108-AA02-DFA0A04FC94B}">
-              <ma14:wrappingTextBoxFlag xmlns="" xmlns:m="http://schemas.openxmlformats.org/officeDocument/2006/math" xmlns:a14="http://schemas.microsoft.com/office/drawing/2010/main" xmlns:ma14="http://schemas.microsoft.com/office/mac/drawingml/2011/main" val="1"/>
+              <ma14:wrappingTextBoxFlag xmlns:ma14="http://schemas.microsoft.com/office/mac/drawingml/2011/main" xmlns:a14="http://schemas.microsoft.com/office/drawing/2010/main" xmlns:m="http://schemas.openxmlformats.org/officeDocument/2006/math" xmlns="" val="1"/>
             </a:ext>
           </a:extLst>
         </p:spPr>
@@ -15302,7 +15302,7 @@
             </a:pPr>
             <a:r>
               <a:rPr lang="en-US" sz="5400" dirty="0"/>
-              <a:t>   4-Clients</a:t>
+              <a:t>   5-Clients</a:t>
             </a:r>
           </a:p>
         </p:txBody>
@@ -15322,14 +15322,14 @@
           <p:nvPr>
             <p:extLst>
               <p:ext uri="{D42A27DB-BD31-4B8C-83A1-F6EECF244321}">
-                <p14:modId xmlns:p14="http://schemas.microsoft.com/office/powerpoint/2010/main" val="3223006116"/>
+                <p14:modId xmlns:p14="http://schemas.microsoft.com/office/powerpoint/2010/main" val="896922720"/>
               </p:ext>
             </p:extLst>
           </p:nvPr>
         </p:nvGraphicFramePr>
         <p:xfrm>
-          <a:off x="12986740" y="2254803"/>
-          <a:ext cx="9565021" cy="8703710"/>
+          <a:off x="12815290" y="2188426"/>
+          <a:ext cx="9565021" cy="9084410"/>
         </p:xfrm>
         <a:graphic>
           <a:graphicData uri="http://schemas.openxmlformats.org/drawingml/2006/table">
@@ -15360,17 +15360,17 @@
                   </a:extLst>
                 </a:gridCol>
               </a:tblGrid>
-              <a:tr h="930318">
+              <a:tr h="872961">
                 <a:tc>
                   <a:txBody>
                     <a:bodyPr/>
                     <a:lstStyle/>
                     <a:p>
                       <a:r>
-                        <a:rPr lang="en-US" altLang="zh-CN" sz="3600" dirty="0"/>
+                        <a:rPr lang="en-US" altLang="zh-CN" sz="3600" b="1" dirty="0"/>
                         <a:t>ID</a:t>
                       </a:r>
-                      <a:endParaRPr lang="zh-CN" altLang="en-US" sz="3600" dirty="0"/>
+                      <a:endParaRPr lang="zh-CN" altLang="en-US" sz="3600" b="1" dirty="0"/>
                     </a:p>
                   </a:txBody>
                   <a:tcPr marL="191868" marR="191868" marT="95934" marB="95934"/>
@@ -15381,10 +15381,10 @@
                     <a:lstStyle/>
                     <a:p>
                       <a:r>
-                        <a:rPr lang="en-US" altLang="zh-CN" sz="3600" dirty="0"/>
+                        <a:rPr lang="en-US" altLang="zh-CN" sz="3600" b="1" dirty="0"/>
                         <a:t>PC</a:t>
                       </a:r>
-                      <a:endParaRPr lang="zh-CN" altLang="en-US" sz="3600" dirty="0"/>
+                      <a:endParaRPr lang="zh-CN" altLang="en-US" sz="3600" b="1" dirty="0"/>
                     </a:p>
                   </a:txBody>
                   <a:tcPr marL="191868" marR="191868" marT="95934" marB="95934"/>
@@ -15395,10 +15395,10 @@
                     <a:lstStyle/>
                     <a:p>
                       <a:r>
-                        <a:rPr lang="en-US" altLang="zh-CN" sz="3600" dirty="0"/>
+                        <a:rPr lang="en-US" altLang="zh-CN" sz="3600" b="1" dirty="0"/>
                         <a:t>PORT</a:t>
                       </a:r>
-                      <a:endParaRPr lang="zh-CN" altLang="en-US" sz="3600" dirty="0"/>
+                      <a:endParaRPr lang="zh-CN" altLang="en-US" sz="3600" b="1" dirty="0"/>
                     </a:p>
                   </a:txBody>
                   <a:tcPr marL="191868" marR="191868" marT="95934" marB="95934"/>
@@ -15409,17 +15409,17 @@
                   </a:ext>
                 </a:extLst>
               </a:tr>
-              <a:tr h="977582">
+              <a:tr h="917311">
                 <a:tc>
                   <a:txBody>
                     <a:bodyPr/>
                     <a:lstStyle/>
                     <a:p>
                       <a:r>
-                        <a:rPr lang="en-US" altLang="zh-CN" sz="3600" dirty="0"/>
+                        <a:rPr lang="en-US" altLang="zh-CN" sz="3600" b="1" dirty="0"/>
                         <a:t>1</a:t>
                       </a:r>
-                      <a:endParaRPr lang="zh-CN" altLang="en-US" sz="3600" dirty="0"/>
+                      <a:endParaRPr lang="zh-CN" altLang="en-US" sz="3600" b="1" dirty="0"/>
                     </a:p>
                   </a:txBody>
                   <a:tcPr marL="191868" marR="191868" marT="95934" marB="95934"/>
@@ -15430,10 +15430,10 @@
                     <a:lstStyle/>
                     <a:p>
                       <a:r>
-                        <a:rPr lang="en-US" altLang="zh-CN" sz="3600" dirty="0"/>
+                        <a:rPr lang="en-US" altLang="zh-CN" sz="3600" b="1" dirty="0"/>
                         <a:t>1</a:t>
                       </a:r>
-                      <a:endParaRPr lang="zh-CN" altLang="en-US" sz="3600" dirty="0"/>
+                      <a:endParaRPr lang="zh-CN" altLang="en-US" sz="3600" b="1" dirty="0"/>
                     </a:p>
                   </a:txBody>
                   <a:tcPr marL="191868" marR="191868" marT="95934" marB="95934"/>
@@ -15444,10 +15444,10 @@
                     <a:lstStyle/>
                     <a:p>
                       <a:r>
-                        <a:rPr lang="en-US" altLang="zh-CN" sz="3600" dirty="0"/>
+                        <a:rPr lang="en-US" altLang="zh-CN" sz="3600" b="1" dirty="0"/>
                         <a:t>10000</a:t>
                       </a:r>
-                      <a:endParaRPr lang="zh-CN" altLang="en-US" sz="3600" dirty="0"/>
+                      <a:endParaRPr lang="zh-CN" altLang="en-US" sz="3600" b="1" dirty="0"/>
                     </a:p>
                   </a:txBody>
                   <a:tcPr marL="191868" marR="191868" marT="95934" marB="95934"/>
@@ -15458,17 +15458,17 @@
                   </a:ext>
                 </a:extLst>
               </a:tr>
-              <a:tr h="977582">
+              <a:tr h="917311">
                 <a:tc>
                   <a:txBody>
                     <a:bodyPr/>
                     <a:lstStyle/>
                     <a:p>
                       <a:r>
-                        <a:rPr lang="en-US" altLang="zh-CN" sz="3600" dirty="0"/>
+                        <a:rPr lang="en-US" altLang="zh-CN" sz="3600" b="1" dirty="0"/>
                         <a:t>2</a:t>
                       </a:r>
-                      <a:endParaRPr lang="zh-CN" altLang="en-US" sz="3600" dirty="0"/>
+                      <a:endParaRPr lang="zh-CN" altLang="en-US" sz="3600" b="1" dirty="0"/>
                     </a:p>
                   </a:txBody>
                   <a:tcPr marL="191868" marR="191868" marT="95934" marB="95934"/>
@@ -15479,10 +15479,10 @@
                     <a:lstStyle/>
                     <a:p>
                       <a:r>
-                        <a:rPr lang="en-US" altLang="zh-CN" sz="3600" dirty="0"/>
+                        <a:rPr lang="en-US" altLang="zh-CN" sz="3600" b="1" dirty="0"/>
                         <a:t>1</a:t>
                       </a:r>
-                      <a:endParaRPr lang="zh-CN" altLang="en-US" sz="3600" dirty="0"/>
+                      <a:endParaRPr lang="zh-CN" altLang="en-US" sz="3600" b="1" dirty="0"/>
                     </a:p>
                   </a:txBody>
                   <a:tcPr marL="191868" marR="191868" marT="95934" marB="95934"/>
@@ -15493,10 +15493,10 @@
                     <a:lstStyle/>
                     <a:p>
                       <a:r>
-                        <a:rPr lang="en-US" altLang="zh-CN" sz="3600" dirty="0"/>
+                        <a:rPr lang="en-US" altLang="zh-CN" sz="3600" b="1" dirty="0"/>
                         <a:t>10010</a:t>
                       </a:r>
-                      <a:endParaRPr lang="zh-CN" altLang="en-US" sz="3600" dirty="0"/>
+                      <a:endParaRPr lang="zh-CN" altLang="en-US" sz="3600" b="1" dirty="0"/>
                     </a:p>
                   </a:txBody>
                   <a:tcPr marL="191868" marR="191868" marT="95934" marB="95934"/>
@@ -15507,17 +15507,17 @@
                   </a:ext>
                 </a:extLst>
               </a:tr>
-              <a:tr h="977582">
+              <a:tr h="917311">
                 <a:tc>
                   <a:txBody>
                     <a:bodyPr/>
                     <a:lstStyle/>
                     <a:p>
                       <a:r>
-                        <a:rPr lang="en-US" altLang="zh-CN" sz="3600" dirty="0"/>
+                        <a:rPr lang="en-US" altLang="zh-CN" sz="3600" b="1" dirty="0"/>
                         <a:t>3</a:t>
                       </a:r>
-                      <a:endParaRPr lang="zh-CN" altLang="en-US" sz="3600" dirty="0"/>
+                      <a:endParaRPr lang="zh-CN" altLang="en-US" sz="3600" b="1" dirty="0"/>
                     </a:p>
                   </a:txBody>
                   <a:tcPr marL="191868" marR="191868" marT="95934" marB="95934"/>
@@ -15528,10 +15528,10 @@
                     <a:lstStyle/>
                     <a:p>
                       <a:r>
-                        <a:rPr lang="en-US" altLang="zh-CN" sz="3600" dirty="0"/>
+                        <a:rPr lang="en-US" altLang="zh-CN" sz="3600" b="1" dirty="0"/>
                         <a:t>1</a:t>
                       </a:r>
-                      <a:endParaRPr lang="zh-CN" altLang="en-US" sz="3600" dirty="0"/>
+                      <a:endParaRPr lang="zh-CN" altLang="en-US" sz="3600" b="1" dirty="0"/>
                     </a:p>
                   </a:txBody>
                   <a:tcPr marL="191868" marR="191868" marT="95934" marB="95934"/>
@@ -15542,10 +15542,10 @@
                     <a:lstStyle/>
                     <a:p>
                       <a:r>
-                        <a:rPr lang="en-US" altLang="zh-CN" sz="3600" dirty="0"/>
+                        <a:rPr lang="en-US" altLang="zh-CN" sz="3600" b="1" dirty="0"/>
                         <a:t>10020</a:t>
                       </a:r>
-                      <a:endParaRPr lang="zh-CN" altLang="en-US" sz="3600" dirty="0"/>
+                      <a:endParaRPr lang="zh-CN" altLang="en-US" sz="3600" b="1" dirty="0"/>
                     </a:p>
                   </a:txBody>
                   <a:tcPr marL="191868" marR="191868" marT="95934" marB="95934"/>
@@ -15556,17 +15556,17 @@
                   </a:ext>
                 </a:extLst>
               </a:tr>
-              <a:tr h="930318">
+              <a:tr h="872961">
                 <a:tc>
                   <a:txBody>
                     <a:bodyPr/>
                     <a:lstStyle/>
                     <a:p>
                       <a:r>
-                        <a:rPr lang="en-US" altLang="zh-CN" sz="3600" dirty="0"/>
+                        <a:rPr lang="en-US" altLang="zh-CN" sz="3600" b="1" dirty="0"/>
                         <a:t>4</a:t>
                       </a:r>
-                      <a:endParaRPr lang="zh-CN" altLang="en-US" sz="3600" dirty="0"/>
+                      <a:endParaRPr lang="zh-CN" altLang="en-US" sz="3600" b="1" dirty="0"/>
                     </a:p>
                   </a:txBody>
                   <a:tcPr marL="191868" marR="191868" marT="95934" marB="95934"/>
@@ -15577,10 +15577,10 @@
                     <a:lstStyle/>
                     <a:p>
                       <a:r>
-                        <a:rPr lang="en-US" altLang="zh-CN" sz="3600" dirty="0"/>
+                        <a:rPr lang="en-US" altLang="zh-CN" sz="3600" b="1" dirty="0"/>
                         <a:t>1</a:t>
                       </a:r>
-                      <a:endParaRPr lang="zh-CN" altLang="en-US" sz="3600" dirty="0"/>
+                      <a:endParaRPr lang="zh-CN" altLang="en-US" sz="3600" b="1" dirty="0"/>
                     </a:p>
                   </a:txBody>
                   <a:tcPr marL="191868" marR="191868" marT="95934" marB="95934"/>
@@ -15591,10 +15591,10 @@
                     <a:lstStyle/>
                     <a:p>
                       <a:r>
-                        <a:rPr lang="en-US" altLang="zh-CN" sz="3600" dirty="0"/>
+                        <a:rPr lang="en-US" altLang="zh-CN" sz="3600" b="1" dirty="0"/>
                         <a:t>10030</a:t>
                       </a:r>
-                      <a:endParaRPr lang="zh-CN" altLang="en-US" sz="3600" dirty="0"/>
+                      <a:endParaRPr lang="zh-CN" altLang="en-US" sz="3600" b="1" dirty="0"/>
                     </a:p>
                   </a:txBody>
                   <a:tcPr marL="191868" marR="191868" marT="95934" marB="95934"/>
@@ -15605,17 +15605,17 @@
                   </a:ext>
                 </a:extLst>
               </a:tr>
-              <a:tr h="977582">
+              <a:tr h="917311">
                 <a:tc>
                   <a:txBody>
                     <a:bodyPr/>
                     <a:lstStyle/>
                     <a:p>
                       <a:r>
-                        <a:rPr lang="en-US" altLang="zh-CN" sz="3600" dirty="0"/>
+                        <a:rPr lang="en-US" altLang="zh-CN" sz="3600" b="1" dirty="0"/>
                         <a:t>5</a:t>
                       </a:r>
-                      <a:endParaRPr lang="zh-CN" altLang="en-US" sz="3600" dirty="0"/>
+                      <a:endParaRPr lang="zh-CN" altLang="en-US" sz="3600" b="1" dirty="0"/>
                     </a:p>
                   </a:txBody>
                   <a:tcPr marL="191868" marR="191868" marT="95934" marB="95934"/>
@@ -15626,10 +15626,10 @@
                     <a:lstStyle/>
                     <a:p>
                       <a:r>
-                        <a:rPr lang="en-US" altLang="zh-CN" sz="3600" dirty="0"/>
+                        <a:rPr lang="en-US" altLang="zh-CN" sz="3600" b="1" dirty="0"/>
                         <a:t>2</a:t>
                       </a:r>
-                      <a:endParaRPr lang="zh-CN" altLang="en-US" sz="3600" dirty="0"/>
+                      <a:endParaRPr lang="zh-CN" altLang="en-US" sz="3600" b="1" dirty="0"/>
                     </a:p>
                   </a:txBody>
                   <a:tcPr marL="191868" marR="191868" marT="95934" marB="95934"/>
@@ -15640,10 +15640,10 @@
                     <a:lstStyle/>
                     <a:p>
                       <a:r>
-                        <a:rPr lang="en-US" altLang="zh-CN" sz="3600" dirty="0"/>
+                        <a:rPr lang="en-US" altLang="zh-CN" sz="3600" b="1" dirty="0"/>
                         <a:t>5720</a:t>
                       </a:r>
-                      <a:endParaRPr lang="zh-CN" altLang="en-US" sz="3600" dirty="0"/>
+                      <a:endParaRPr lang="zh-CN" altLang="en-US" sz="3600" b="1" dirty="0"/>
                     </a:p>
                   </a:txBody>
                   <a:tcPr marL="191868" marR="191868" marT="95934" marB="95934"/>
@@ -15654,17 +15654,17 @@
                   </a:ext>
                 </a:extLst>
               </a:tr>
-              <a:tr h="977582">
+              <a:tr h="917311">
                 <a:tc>
                   <a:txBody>
                     <a:bodyPr/>
                     <a:lstStyle/>
                     <a:p>
                       <a:r>
-                        <a:rPr lang="en-US" altLang="zh-CN" sz="3600" dirty="0"/>
+                        <a:rPr lang="en-US" altLang="zh-CN" sz="3600" b="1" dirty="0"/>
                         <a:t>6</a:t>
                       </a:r>
-                      <a:endParaRPr lang="zh-CN" altLang="en-US" sz="3600" dirty="0"/>
+                      <a:endParaRPr lang="zh-CN" altLang="en-US" sz="3600" b="1" dirty="0"/>
                     </a:p>
                   </a:txBody>
                   <a:tcPr marL="191868" marR="191868" marT="95934" marB="95934"/>
@@ -15675,10 +15675,10 @@
                     <a:lstStyle/>
                     <a:p>
                       <a:r>
-                        <a:rPr lang="en-US" altLang="zh-CN" sz="3600" dirty="0"/>
+                        <a:rPr lang="en-US" altLang="zh-CN" sz="3600" b="1" dirty="0"/>
                         <a:t>2</a:t>
                       </a:r>
-                      <a:endParaRPr lang="zh-CN" altLang="en-US" sz="3600" dirty="0"/>
+                      <a:endParaRPr lang="zh-CN" altLang="en-US" sz="3600" b="1" dirty="0"/>
                     </a:p>
                   </a:txBody>
                   <a:tcPr marL="191868" marR="191868" marT="95934" marB="95934"/>
@@ -15689,10 +15689,10 @@
                     <a:lstStyle/>
                     <a:p>
                       <a:r>
-                        <a:rPr lang="en-US" altLang="zh-CN" sz="3600" dirty="0"/>
+                        <a:rPr lang="en-US" altLang="zh-CN" sz="3600" b="1" dirty="0"/>
                         <a:t>5710</a:t>
                       </a:r>
-                      <a:endParaRPr lang="zh-CN" altLang="en-US" sz="3600" dirty="0"/>
+                      <a:endParaRPr lang="zh-CN" altLang="en-US" sz="3600" b="1" dirty="0"/>
                     </a:p>
                   </a:txBody>
                   <a:tcPr marL="191868" marR="191868" marT="95934" marB="95934"/>
@@ -15703,17 +15703,17 @@
                   </a:ext>
                 </a:extLst>
               </a:tr>
-              <a:tr h="977582">
+              <a:tr h="917311">
                 <a:tc>
                   <a:txBody>
                     <a:bodyPr/>
                     <a:lstStyle/>
                     <a:p>
                       <a:r>
-                        <a:rPr lang="en-US" altLang="zh-CN" sz="3600" dirty="0"/>
+                        <a:rPr lang="en-US" altLang="zh-CN" sz="3600" b="1" dirty="0"/>
                         <a:t>7</a:t>
                       </a:r>
-                      <a:endParaRPr lang="zh-CN" altLang="en-US" sz="3600" dirty="0"/>
+                      <a:endParaRPr lang="zh-CN" altLang="en-US" sz="3600" b="1" dirty="0"/>
                     </a:p>
                   </a:txBody>
                   <a:tcPr marL="191868" marR="191868" marT="95934" marB="95934"/>
@@ -15724,10 +15724,10 @@
                     <a:lstStyle/>
                     <a:p>
                       <a:r>
-                        <a:rPr lang="en-US" altLang="zh-CN" sz="3600" dirty="0"/>
+                        <a:rPr lang="en-US" altLang="zh-CN" sz="3600" b="1" dirty="0"/>
                         <a:t>2</a:t>
                       </a:r>
-                      <a:endParaRPr lang="zh-CN" altLang="en-US" sz="3600" dirty="0"/>
+                      <a:endParaRPr lang="zh-CN" altLang="en-US" sz="3600" b="1" dirty="0"/>
                     </a:p>
                   </a:txBody>
                   <a:tcPr marL="191868" marR="191868" marT="95934" marB="95934"/>
@@ -15738,10 +15738,10 @@
                     <a:lstStyle/>
                     <a:p>
                       <a:r>
-                        <a:rPr lang="en-US" altLang="zh-CN" sz="3600" dirty="0"/>
+                        <a:rPr lang="en-US" altLang="zh-CN" sz="3600" b="1" dirty="0"/>
                         <a:t>5730</a:t>
                       </a:r>
-                      <a:endParaRPr lang="zh-CN" altLang="en-US" sz="3600" dirty="0"/>
+                      <a:endParaRPr lang="zh-CN" altLang="en-US" sz="3600" b="1" dirty="0"/>
                     </a:p>
                   </a:txBody>
                   <a:tcPr marL="191868" marR="191868" marT="95934" marB="95934"/>
@@ -15752,17 +15752,17 @@
                   </a:ext>
                 </a:extLst>
               </a:tr>
-              <a:tr h="977582">
+              <a:tr h="917311">
                 <a:tc>
                   <a:txBody>
                     <a:bodyPr/>
                     <a:lstStyle/>
                     <a:p>
                       <a:r>
-                        <a:rPr lang="en-US" altLang="zh-CN" sz="3600" dirty="0"/>
+                        <a:rPr lang="en-US" altLang="zh-CN" sz="3600" b="1" dirty="0"/>
                         <a:t>8</a:t>
                       </a:r>
-                      <a:endParaRPr lang="zh-CN" altLang="en-US" sz="3600" dirty="0"/>
+                      <a:endParaRPr lang="zh-CN" altLang="en-US" sz="3600" b="1" dirty="0"/>
                     </a:p>
                   </a:txBody>
                   <a:tcPr marL="191868" marR="191868" marT="95934" marB="95934"/>
@@ -15773,10 +15773,10 @@
                     <a:lstStyle/>
                     <a:p>
                       <a:r>
-                        <a:rPr lang="en-US" altLang="zh-CN" sz="3600" dirty="0"/>
+                        <a:rPr lang="en-US" altLang="zh-CN" sz="3600" b="1" dirty="0"/>
                         <a:t>2</a:t>
                       </a:r>
-                      <a:endParaRPr lang="zh-CN" altLang="en-US" sz="3600" dirty="0"/>
+                      <a:endParaRPr lang="zh-CN" altLang="en-US" sz="3600" b="1" dirty="0"/>
                     </a:p>
                   </a:txBody>
                   <a:tcPr marL="191868" marR="191868" marT="95934" marB="95934"/>
@@ -15787,10 +15787,10 @@
                     <a:lstStyle/>
                     <a:p>
                       <a:r>
-                        <a:rPr lang="en-US" altLang="zh-CN" sz="3600" dirty="0"/>
+                        <a:rPr lang="en-US" altLang="zh-CN" sz="3600" b="1" dirty="0"/>
                         <a:t>5740</a:t>
                       </a:r>
-                      <a:endParaRPr lang="zh-CN" altLang="en-US" sz="3600" dirty="0"/>
+                      <a:endParaRPr lang="zh-CN" altLang="en-US" sz="3600" b="1" dirty="0"/>
                     </a:p>
                   </a:txBody>
                   <a:tcPr marL="191868" marR="191868" marT="95934" marB="95934"/>
@@ -15798,6 +15798,55 @@
                 <a:extLst>
                   <a:ext uri="{0D108BD9-81ED-4DB2-BD59-A6C34878D82A}">
                     <a16:rowId xmlns:a16="http://schemas.microsoft.com/office/drawing/2014/main" val="3812454522"/>
+                  </a:ext>
+                </a:extLst>
+              </a:tr>
+              <a:tr h="917311">
+                <a:tc>
+                  <a:txBody>
+                    <a:bodyPr/>
+                    <a:lstStyle/>
+                    <a:p>
+                      <a:r>
+                        <a:rPr lang="en-US" altLang="zh-CN" sz="3600" b="1" dirty="0"/>
+                        <a:t>9</a:t>
+                      </a:r>
+                      <a:endParaRPr lang="zh-CN" altLang="en-US" sz="3600" b="1" dirty="0"/>
+                    </a:p>
+                  </a:txBody>
+                  <a:tcPr marL="191868" marR="191868" marT="95934" marB="95934"/>
+                </a:tc>
+                <a:tc>
+                  <a:txBody>
+                    <a:bodyPr/>
+                    <a:lstStyle/>
+                    <a:p>
+                      <a:r>
+                        <a:rPr lang="en-US" altLang="zh-CN" sz="3600" b="1" dirty="0"/>
+                        <a:t>3</a:t>
+                      </a:r>
+                      <a:endParaRPr lang="zh-CN" altLang="en-US" sz="3600" b="1" dirty="0"/>
+                    </a:p>
+                  </a:txBody>
+                  <a:tcPr marL="191868" marR="191868" marT="95934" marB="95934"/>
+                </a:tc>
+                <a:tc>
+                  <a:txBody>
+                    <a:bodyPr/>
+                    <a:lstStyle/>
+                    <a:p>
+                      <a:r>
+                        <a:rPr lang="en-US" altLang="zh-CN" sz="3600" b="1" dirty="0"/>
+                        <a:t>57??</a:t>
+                      </a:r>
+                      <a:endParaRPr lang="zh-CN" altLang="en-US" sz="3600" b="1" dirty="0"/>
+                    </a:p>
+                  </a:txBody>
+                  <a:tcPr marL="191868" marR="191868" marT="95934" marB="95934"/>
+                </a:tc>
+                <a:extLst>
+                  <a:ext uri="{0D108BD9-81ED-4DB2-BD59-A6C34878D82A}">
+                    <a16:rowId xmlns:a16="http://schemas.microsoft.com/office/drawing/2014/main" val="3125174586"/>
                   </a:ext>
                 </a:extLst>
               </a:tr>

--- a/Fina lReport/auction_pres.pptx
+++ b/Fina lReport/auction_pres.pptx
@@ -8191,10 +8191,10 @@
         </p:nvGrpSpPr>
         <p:grpSpPr>
           <a:xfrm>
-            <a:off x="587829" y="2594714"/>
-            <a:ext cx="13750668" cy="10285127"/>
-            <a:chOff x="219409" y="901897"/>
-            <a:chExt cx="7303896" cy="5277447"/>
+            <a:off x="370220" y="2715057"/>
+            <a:ext cx="13328196" cy="10514020"/>
+            <a:chOff x="219409" y="611531"/>
+            <a:chExt cx="7304060" cy="5566026"/>
           </a:xfrm>
           <a:effectLst/>
         </p:grpSpPr>
@@ -8248,62 +8248,12 @@
           </p:nvGrpSpPr>
           <p:grpSpPr>
             <a:xfrm>
-              <a:off x="1180960" y="901897"/>
-              <a:ext cx="5329239" cy="5277447"/>
-              <a:chOff x="1332309" y="901897"/>
-              <a:chExt cx="5329239" cy="5277447"/>
+              <a:off x="1180960" y="611531"/>
+              <a:ext cx="5329402" cy="5566026"/>
+              <a:chOff x="1332309" y="611531"/>
+              <a:chExt cx="5329402" cy="5566026"/>
             </a:xfrm>
           </p:grpSpPr>
-          <p:sp>
-            <p:nvSpPr>
-              <p:cNvPr id="13" name="Rechteck: abgerundete Ecken 12">
-                <a:extLst>
-                  <a:ext uri="{FF2B5EF4-FFF2-40B4-BE49-F238E27FC236}">
-                    <a16:creationId xmlns:a16="http://schemas.microsoft.com/office/drawing/2014/main" id="{1D25D2DF-275B-1244-E248-8DFB7DAFB921}"/>
-                  </a:ext>
-                </a:extLst>
-              </p:cNvPr>
-              <p:cNvSpPr/>
-              <p:nvPr/>
-            </p:nvSpPr>
-            <p:spPr>
-              <a:xfrm>
-                <a:off x="1457326" y="903684"/>
-                <a:ext cx="5079206" cy="5275660"/>
-              </a:xfrm>
-              <a:prstGeom prst="roundRect">
-                <a:avLst>
-                  <a:gd name="adj" fmla="val 5634"/>
-                </a:avLst>
-              </a:prstGeom>
-              <a:noFill/>
-              <a:ln w="76200"/>
-            </p:spPr>
-            <p:style>
-              <a:lnRef idx="2">
-                <a:schemeClr val="accent1">
-                  <a:shade val="50000"/>
-                </a:schemeClr>
-              </a:lnRef>
-              <a:fillRef idx="1">
-                <a:schemeClr val="accent1"/>
-              </a:fillRef>
-              <a:effectRef idx="0">
-                <a:schemeClr val="accent1"/>
-              </a:effectRef>
-              <a:fontRef idx="minor">
-                <a:schemeClr val="lt1"/>
-              </a:fontRef>
-            </p:style>
-            <p:txBody>
-              <a:bodyPr rtlCol="0" anchor="ctr"/>
-              <a:lstStyle/>
-              <a:p>
-                <a:pPr algn="ctr"/>
-                <a:endParaRPr lang="zh-CN" altLang="en-US"/>
-              </a:p>
-            </p:txBody>
-          </p:sp>
           <p:sp>
             <p:nvSpPr>
               <p:cNvPr id="14" name="Rechteck: abgerundete Ecken 13">
@@ -8664,102 +8614,6 @@
               </a:p>
             </p:txBody>
           </p:sp>
-          <p:sp>
-            <p:nvSpPr>
-              <p:cNvPr id="22" name="Ellipse 21">
-                <a:extLst>
-                  <a:ext uri="{FF2B5EF4-FFF2-40B4-BE49-F238E27FC236}">
-                    <a16:creationId xmlns:a16="http://schemas.microsoft.com/office/drawing/2014/main" id="{20C3B1C0-001F-2F21-70B3-126C8B57F18B}"/>
-                  </a:ext>
-                </a:extLst>
-              </p:cNvPr>
-              <p:cNvSpPr/>
-              <p:nvPr/>
-            </p:nvSpPr>
-            <p:spPr>
-              <a:xfrm>
-                <a:off x="6411517" y="2571749"/>
-                <a:ext cx="250031" cy="250031"/>
-              </a:xfrm>
-              <a:prstGeom prst="ellipse">
-                <a:avLst/>
-              </a:prstGeom>
-              <a:solidFill>
-                <a:schemeClr val="bg1"/>
-              </a:solidFill>
-              <a:ln w="57150"/>
-            </p:spPr>
-            <p:style>
-              <a:lnRef idx="2">
-                <a:schemeClr val="accent1">
-                  <a:shade val="50000"/>
-                </a:schemeClr>
-              </a:lnRef>
-              <a:fillRef idx="1">
-                <a:schemeClr val="accent1"/>
-              </a:fillRef>
-              <a:effectRef idx="0">
-                <a:schemeClr val="accent1"/>
-              </a:effectRef>
-              <a:fontRef idx="minor">
-                <a:schemeClr val="lt1"/>
-              </a:fontRef>
-            </p:style>
-            <p:txBody>
-              <a:bodyPr rtlCol="0" anchor="ctr"/>
-              <a:lstStyle/>
-              <a:p>
-                <a:pPr algn="ctr"/>
-                <a:endParaRPr lang="zh-CN" altLang="en-US"/>
-              </a:p>
-            </p:txBody>
-          </p:sp>
-          <p:cxnSp>
-            <p:nvCxnSpPr>
-              <p:cNvPr id="23" name="Gerader Verbinder 22">
-                <a:extLst>
-                  <a:ext uri="{FF2B5EF4-FFF2-40B4-BE49-F238E27FC236}">
-                    <a16:creationId xmlns:a16="http://schemas.microsoft.com/office/drawing/2014/main" id="{51207B05-A513-611C-1E76-86871E21C6D0}"/>
-                  </a:ext>
-                </a:extLst>
-              </p:cNvPr>
-              <p:cNvCxnSpPr>
-                <a:stCxn id="22" idx="2"/>
-                <a:endCxn id="16" idx="3"/>
-              </p:cNvCxnSpPr>
-              <p:nvPr/>
-            </p:nvCxnSpPr>
-            <p:spPr>
-              <a:xfrm flipH="1">
-                <a:off x="6138862" y="2696765"/>
-                <a:ext cx="272655" cy="1190"/>
-              </a:xfrm>
-              <a:prstGeom prst="line">
-                <a:avLst/>
-              </a:prstGeom>
-              <a:ln w="28575">
-                <a:solidFill>
-                  <a:schemeClr val="accent1">
-                    <a:lumMod val="75000"/>
-                  </a:schemeClr>
-                </a:solidFill>
-              </a:ln>
-            </p:spPr>
-            <p:style>
-              <a:lnRef idx="1">
-                <a:schemeClr val="accent1"/>
-              </a:lnRef>
-              <a:fillRef idx="0">
-                <a:schemeClr val="accent1"/>
-              </a:fillRef>
-              <a:effectRef idx="0">
-                <a:schemeClr val="accent1"/>
-              </a:effectRef>
-              <a:fontRef idx="minor">
-                <a:schemeClr val="tx1"/>
-              </a:fontRef>
-            </p:style>
-          </p:cxnSp>
           <p:cxnSp>
             <p:nvCxnSpPr>
               <p:cNvPr id="24" name="Gerader Verbinder 23">
@@ -8863,8 +8717,8 @@
             </p:nvSpPr>
             <p:spPr>
               <a:xfrm>
-                <a:off x="1457325" y="901897"/>
-                <a:ext cx="5079206" cy="5275660"/>
+                <a:off x="1457325" y="611531"/>
+                <a:ext cx="5079206" cy="5566026"/>
               </a:xfrm>
               <a:prstGeom prst="roundRect">
                 <a:avLst>
@@ -8967,7 +8821,7 @@
             </p:nvSpPr>
             <p:spPr>
               <a:xfrm>
-                <a:off x="6411516" y="2569962"/>
+                <a:off x="6411680" y="1869960"/>
                 <a:ext cx="250031" cy="250031"/>
               </a:xfrm>
               <a:prstGeom prst="ellipse">
@@ -9023,7 +8877,7 @@
             </p:nvCxnSpPr>
             <p:spPr>
               <a:xfrm flipH="1">
-                <a:off x="6138861" y="2694978"/>
+                <a:off x="6139025" y="1994975"/>
                 <a:ext cx="272655" cy="1190"/>
               </a:xfrm>
               <a:prstGeom prst="line">
@@ -9314,7 +9168,7 @@
           </p:nvSpPr>
           <p:spPr>
             <a:xfrm>
-              <a:off x="1539108" y="1598389"/>
+              <a:off x="1523559" y="1372420"/>
               <a:ext cx="2024292" cy="679076"/>
             </a:xfrm>
             <a:prstGeom prst="rect">
@@ -9388,7 +9242,7 @@
           </p:nvSpPr>
           <p:spPr>
             <a:xfrm>
-              <a:off x="1492611" y="4955150"/>
+              <a:off x="1495790" y="4865322"/>
               <a:ext cx="2024292" cy="679076"/>
             </a:xfrm>
             <a:prstGeom prst="rect">
@@ -9425,7 +9279,7 @@
           </p:nvSpPr>
           <p:spPr>
             <a:xfrm>
-              <a:off x="3963221" y="4878206"/>
+              <a:off x="3963221" y="4998003"/>
               <a:ext cx="2024292" cy="394811"/>
             </a:xfrm>
             <a:prstGeom prst="rect">
@@ -9462,7 +9316,7 @@
           </p:nvSpPr>
           <p:spPr>
             <a:xfrm>
-              <a:off x="3980314" y="2435154"/>
+              <a:off x="3970276" y="2440233"/>
               <a:ext cx="2024292" cy="394811"/>
             </a:xfrm>
             <a:prstGeom prst="rect">
@@ -9499,7 +9353,7 @@
           </p:nvSpPr>
           <p:spPr>
             <a:xfrm>
-              <a:off x="6338311" y="2512098"/>
+              <a:off x="6338475" y="1812095"/>
               <a:ext cx="1184994" cy="363227"/>
             </a:xfrm>
             <a:prstGeom prst="rect">
@@ -9630,6 +9484,309 @@
           </p:txBody>
         </p:sp>
       </p:grpSp>
+      <p:sp>
+        <p:nvSpPr>
+          <p:cNvPr id="28" name="Ellipse 27">
+            <a:extLst>
+              <a:ext uri="{FF2B5EF4-FFF2-40B4-BE49-F238E27FC236}">
+                <a16:creationId xmlns:a16="http://schemas.microsoft.com/office/drawing/2014/main" id="{6860E0FC-CF0C-FE23-C564-062840B4F64A}"/>
+              </a:ext>
+            </a:extLst>
+          </p:cNvPr>
+          <p:cNvSpPr/>
+          <p:nvPr/>
+        </p:nvSpPr>
+        <p:spPr>
+          <a:xfrm>
+            <a:off x="11392471" y="7930092"/>
+            <a:ext cx="470720" cy="487281"/>
+          </a:xfrm>
+          <a:prstGeom prst="ellipse">
+            <a:avLst/>
+          </a:prstGeom>
+          <a:solidFill>
+            <a:schemeClr val="bg1"/>
+          </a:solidFill>
+          <a:ln w="57150">
+            <a:solidFill>
+              <a:schemeClr val="tx1"/>
+            </a:solidFill>
+          </a:ln>
+        </p:spPr>
+        <p:style>
+          <a:lnRef idx="2">
+            <a:schemeClr val="accent1">
+              <a:shade val="50000"/>
+            </a:schemeClr>
+          </a:lnRef>
+          <a:fillRef idx="1">
+            <a:schemeClr val="accent1"/>
+          </a:fillRef>
+          <a:effectRef idx="0">
+            <a:schemeClr val="accent1"/>
+          </a:effectRef>
+          <a:fontRef idx="minor">
+            <a:schemeClr val="lt1"/>
+          </a:fontRef>
+        </p:style>
+        <p:txBody>
+          <a:bodyPr rtlCol="0" anchor="ctr"/>
+          <a:lstStyle/>
+          <a:p>
+            <a:pPr algn="ctr"/>
+            <a:endParaRPr lang="zh-CN" altLang="en-US"/>
+          </a:p>
+        </p:txBody>
+      </p:sp>
+      <p:cxnSp>
+        <p:nvCxnSpPr>
+          <p:cNvPr id="29" name="Gerader Verbinder 28">
+            <a:extLst>
+              <a:ext uri="{FF2B5EF4-FFF2-40B4-BE49-F238E27FC236}">
+                <a16:creationId xmlns:a16="http://schemas.microsoft.com/office/drawing/2014/main" id="{9248F62B-6204-9A50-C644-267B15220283}"/>
+              </a:ext>
+            </a:extLst>
+          </p:cNvPr>
+          <p:cNvCxnSpPr>
+            <a:stCxn id="28" idx="2"/>
+          </p:cNvCxnSpPr>
+          <p:nvPr/>
+        </p:nvCxnSpPr>
+        <p:spPr>
+          <a:xfrm flipH="1">
+            <a:off x="10879157" y="8173733"/>
+            <a:ext cx="513313" cy="2319"/>
+          </a:xfrm>
+          <a:prstGeom prst="line">
+            <a:avLst/>
+          </a:prstGeom>
+          <a:ln w="28575">
+            <a:solidFill>
+              <a:schemeClr val="tx1"/>
+            </a:solidFill>
+          </a:ln>
+        </p:spPr>
+        <p:style>
+          <a:lnRef idx="1">
+            <a:schemeClr val="accent1"/>
+          </a:lnRef>
+          <a:fillRef idx="0">
+            <a:schemeClr val="accent1"/>
+          </a:fillRef>
+          <a:effectRef idx="0">
+            <a:schemeClr val="accent1"/>
+          </a:effectRef>
+          <a:fontRef idx="minor">
+            <a:schemeClr val="tx1"/>
+          </a:fontRef>
+        </p:style>
+      </p:cxnSp>
+      <p:sp>
+        <p:nvSpPr>
+          <p:cNvPr id="35" name="Textfeld 34">
+            <a:extLst>
+              <a:ext uri="{FF2B5EF4-FFF2-40B4-BE49-F238E27FC236}">
+                <a16:creationId xmlns:a16="http://schemas.microsoft.com/office/drawing/2014/main" id="{76D9E79E-2B11-2142-31A4-C0ECEF2099DA}"/>
+              </a:ext>
+            </a:extLst>
+          </p:cNvPr>
+          <p:cNvSpPr txBox="1"/>
+          <p:nvPr/>
+        </p:nvSpPr>
+        <p:spPr>
+          <a:xfrm>
+            <a:off x="11539589" y="7817321"/>
+            <a:ext cx="2230927" cy="707887"/>
+          </a:xfrm>
+          <a:prstGeom prst="rect">
+            <a:avLst/>
+          </a:prstGeom>
+          <a:noFill/>
+        </p:spPr>
+        <p:txBody>
+          <a:bodyPr wrap="square" rtlCol="0">
+            <a:spAutoFit/>
+          </a:bodyPr>
+          <a:lstStyle/>
+          <a:p>
+            <a:pPr algn="ctr"/>
+            <a:r>
+              <a:rPr lang="en-US" altLang="zh-CN" sz="4000" b="1" dirty="0"/>
+              <a:t>BROA</a:t>
+            </a:r>
+          </a:p>
+        </p:txBody>
+      </p:sp>
+      <p:sp>
+        <p:nvSpPr>
+          <p:cNvPr id="36" name="Ellipse 35">
+            <a:extLst>
+              <a:ext uri="{FF2B5EF4-FFF2-40B4-BE49-F238E27FC236}">
+                <a16:creationId xmlns:a16="http://schemas.microsoft.com/office/drawing/2014/main" id="{633F9AD2-3815-9D38-9814-A350EBFF9E33}"/>
+              </a:ext>
+            </a:extLst>
+          </p:cNvPr>
+          <p:cNvSpPr/>
+          <p:nvPr/>
+        </p:nvSpPr>
+        <p:spPr>
+          <a:xfrm>
+            <a:off x="11392471" y="6508630"/>
+            <a:ext cx="470720" cy="487281"/>
+          </a:xfrm>
+          <a:prstGeom prst="ellipse">
+            <a:avLst/>
+          </a:prstGeom>
+          <a:solidFill>
+            <a:schemeClr val="bg1"/>
+          </a:solidFill>
+          <a:ln w="57150">
+            <a:solidFill>
+              <a:schemeClr val="tx1"/>
+            </a:solidFill>
+          </a:ln>
+        </p:spPr>
+        <p:style>
+          <a:lnRef idx="2">
+            <a:schemeClr val="accent1">
+              <a:shade val="50000"/>
+            </a:schemeClr>
+          </a:lnRef>
+          <a:fillRef idx="1">
+            <a:schemeClr val="accent1"/>
+          </a:fillRef>
+          <a:effectRef idx="0">
+            <a:schemeClr val="accent1"/>
+          </a:effectRef>
+          <a:fontRef idx="minor">
+            <a:schemeClr val="lt1"/>
+          </a:fontRef>
+        </p:style>
+        <p:txBody>
+          <a:bodyPr rtlCol="0" anchor="ctr"/>
+          <a:lstStyle/>
+          <a:p>
+            <a:pPr algn="ctr"/>
+            <a:endParaRPr lang="zh-CN" altLang="en-US"/>
+          </a:p>
+        </p:txBody>
+      </p:sp>
+      <p:cxnSp>
+        <p:nvCxnSpPr>
+          <p:cNvPr id="40" name="Gerader Verbinder 39">
+            <a:extLst>
+              <a:ext uri="{FF2B5EF4-FFF2-40B4-BE49-F238E27FC236}">
+                <a16:creationId xmlns:a16="http://schemas.microsoft.com/office/drawing/2014/main" id="{E2BE4D39-08F7-799C-1DCA-A80DC2FEE673}"/>
+              </a:ext>
+            </a:extLst>
+          </p:cNvPr>
+          <p:cNvCxnSpPr>
+            <a:stCxn id="36" idx="2"/>
+          </p:cNvCxnSpPr>
+          <p:nvPr/>
+        </p:nvCxnSpPr>
+        <p:spPr>
+          <a:xfrm flipH="1">
+            <a:off x="10879157" y="6752271"/>
+            <a:ext cx="513313" cy="2319"/>
+          </a:xfrm>
+          <a:prstGeom prst="line">
+            <a:avLst/>
+          </a:prstGeom>
+          <a:ln w="28575">
+            <a:solidFill>
+              <a:schemeClr val="tx1"/>
+            </a:solidFill>
+          </a:ln>
+        </p:spPr>
+        <p:style>
+          <a:lnRef idx="1">
+            <a:schemeClr val="accent1"/>
+          </a:lnRef>
+          <a:fillRef idx="0">
+            <a:schemeClr val="accent1"/>
+          </a:fillRef>
+          <a:effectRef idx="0">
+            <a:schemeClr val="accent1"/>
+          </a:effectRef>
+          <a:fontRef idx="minor">
+            <a:schemeClr val="tx1"/>
+          </a:fontRef>
+        </p:style>
+      </p:cxnSp>
+      <p:sp>
+        <p:nvSpPr>
+          <p:cNvPr id="41" name="Textfeld 40">
+            <a:extLst>
+              <a:ext uri="{FF2B5EF4-FFF2-40B4-BE49-F238E27FC236}">
+                <a16:creationId xmlns:a16="http://schemas.microsoft.com/office/drawing/2014/main" id="{07B3542C-5ED4-9E02-09FD-B42440FCBB3F}"/>
+              </a:ext>
+            </a:extLst>
+          </p:cNvPr>
+          <p:cNvSpPr txBox="1"/>
+          <p:nvPr/>
+        </p:nvSpPr>
+        <p:spPr>
+          <a:xfrm>
+            <a:off x="11539589" y="6395859"/>
+            <a:ext cx="2230927" cy="707887"/>
+          </a:xfrm>
+          <a:prstGeom prst="rect">
+            <a:avLst/>
+          </a:prstGeom>
+          <a:noFill/>
+        </p:spPr>
+        <p:txBody>
+          <a:bodyPr wrap="square" rtlCol="0">
+            <a:spAutoFit/>
+          </a:bodyPr>
+          <a:lstStyle/>
+          <a:p>
+            <a:pPr algn="ctr"/>
+            <a:r>
+              <a:rPr lang="en-US" altLang="zh-CN" sz="4000" b="1" dirty="0"/>
+              <a:t>MUL</a:t>
+            </a:r>
+          </a:p>
+        </p:txBody>
+      </p:sp>
+      <p:sp>
+        <p:nvSpPr>
+          <p:cNvPr id="42" name="Textfeld 41">
+            <a:extLst>
+              <a:ext uri="{FF2B5EF4-FFF2-40B4-BE49-F238E27FC236}">
+                <a16:creationId xmlns:a16="http://schemas.microsoft.com/office/drawing/2014/main" id="{2FC76F39-60D3-6F0D-39F7-7BB8FF5908E7}"/>
+              </a:ext>
+            </a:extLst>
+          </p:cNvPr>
+          <p:cNvSpPr txBox="1"/>
+          <p:nvPr/>
+        </p:nvSpPr>
+        <p:spPr>
+          <a:xfrm>
+            <a:off x="2352949" y="2863066"/>
+            <a:ext cx="7206813" cy="769441"/>
+          </a:xfrm>
+          <a:prstGeom prst="rect">
+            <a:avLst/>
+          </a:prstGeom>
+          <a:noFill/>
+        </p:spPr>
+        <p:txBody>
+          <a:bodyPr wrap="square" rtlCol="0">
+            <a:spAutoFit/>
+          </a:bodyPr>
+          <a:lstStyle/>
+          <a:p>
+            <a:pPr algn="ctr"/>
+            <a:r>
+              <a:rPr lang="en-US" altLang="zh-CN" sz="4400" b="1" dirty="0"/>
+              <a:t>Auction Component</a:t>
+            </a:r>
+            <a:endParaRPr lang="zh-CN" altLang="en-US" sz="4400" b="1" dirty="0"/>
+          </a:p>
+        </p:txBody>
+      </p:sp>
     </p:spTree>
   </p:cSld>
   <p:clrMapOvr>
@@ -12282,159 +12439,6 @@
             </a:p>
           </p:txBody>
         </p:sp>
-        <p:sp>
-          <p:nvSpPr>
-            <p:cNvPr id="12" name="Ellipse 11">
-              <a:extLst>
-                <a:ext uri="{FF2B5EF4-FFF2-40B4-BE49-F238E27FC236}">
-                  <a16:creationId xmlns:a16="http://schemas.microsoft.com/office/drawing/2014/main" id="{B8F00D81-4672-253B-611A-F90EA09C8C46}"/>
-                </a:ext>
-              </a:extLst>
-            </p:cNvPr>
-            <p:cNvSpPr/>
-            <p:nvPr/>
-          </p:nvSpPr>
-          <p:spPr>
-            <a:xfrm>
-              <a:off x="2437659" y="2471129"/>
-              <a:ext cx="246458" cy="242888"/>
-            </a:xfrm>
-            <a:prstGeom prst="ellipse">
-              <a:avLst/>
-            </a:prstGeom>
-            <a:ln w="57150">
-              <a:solidFill>
-                <a:schemeClr val="tx1"/>
-              </a:solidFill>
-            </a:ln>
-          </p:spPr>
-          <p:style>
-            <a:lnRef idx="2">
-              <a:schemeClr val="accent1">
-                <a:shade val="50000"/>
-              </a:schemeClr>
-            </a:lnRef>
-            <a:fillRef idx="1">
-              <a:schemeClr val="accent1"/>
-            </a:fillRef>
-            <a:effectRef idx="0">
-              <a:schemeClr val="accent1"/>
-            </a:effectRef>
-            <a:fontRef idx="minor">
-              <a:schemeClr val="lt1"/>
-            </a:fontRef>
-          </p:style>
-          <p:txBody>
-            <a:bodyPr rtlCol="0" anchor="ctr"/>
-            <a:lstStyle/>
-            <a:p>
-              <a:pPr algn="ctr"/>
-              <a:endParaRPr lang="zh-CN" altLang="en-US"/>
-            </a:p>
-          </p:txBody>
-        </p:sp>
-        <p:sp>
-          <p:nvSpPr>
-            <p:cNvPr id="13" name="Ellipse 12">
-              <a:extLst>
-                <a:ext uri="{FF2B5EF4-FFF2-40B4-BE49-F238E27FC236}">
-                  <a16:creationId xmlns:a16="http://schemas.microsoft.com/office/drawing/2014/main" id="{A5BF373F-F350-74B8-EB71-74DEBDC8F6A8}"/>
-                </a:ext>
-              </a:extLst>
-            </p:cNvPr>
-            <p:cNvSpPr/>
-            <p:nvPr/>
-          </p:nvSpPr>
-          <p:spPr>
-            <a:xfrm>
-              <a:off x="2437659" y="3405499"/>
-              <a:ext cx="246458" cy="242888"/>
-            </a:xfrm>
-            <a:prstGeom prst="ellipse">
-              <a:avLst/>
-            </a:prstGeom>
-            <a:ln w="57150">
-              <a:solidFill>
-                <a:schemeClr val="tx1"/>
-              </a:solidFill>
-            </a:ln>
-          </p:spPr>
-          <p:style>
-            <a:lnRef idx="2">
-              <a:schemeClr val="accent1">
-                <a:shade val="50000"/>
-              </a:schemeClr>
-            </a:lnRef>
-            <a:fillRef idx="1">
-              <a:schemeClr val="accent1"/>
-            </a:fillRef>
-            <a:effectRef idx="0">
-              <a:schemeClr val="accent1"/>
-            </a:effectRef>
-            <a:fontRef idx="minor">
-              <a:schemeClr val="lt1"/>
-            </a:fontRef>
-          </p:style>
-          <p:txBody>
-            <a:bodyPr rtlCol="0" anchor="ctr"/>
-            <a:lstStyle/>
-            <a:p>
-              <a:pPr algn="ctr"/>
-              <a:endParaRPr lang="zh-CN" altLang="en-US"/>
-            </a:p>
-          </p:txBody>
-        </p:sp>
-        <p:sp>
-          <p:nvSpPr>
-            <p:cNvPr id="14" name="Ellipse 13">
-              <a:extLst>
-                <a:ext uri="{FF2B5EF4-FFF2-40B4-BE49-F238E27FC236}">
-                  <a16:creationId xmlns:a16="http://schemas.microsoft.com/office/drawing/2014/main" id="{ED7B3143-A7F4-47AE-7067-92E50325B508}"/>
-                </a:ext>
-              </a:extLst>
-            </p:cNvPr>
-            <p:cNvSpPr/>
-            <p:nvPr/>
-          </p:nvSpPr>
-          <p:spPr>
-            <a:xfrm>
-              <a:off x="2437659" y="4339869"/>
-              <a:ext cx="246458" cy="242888"/>
-            </a:xfrm>
-            <a:prstGeom prst="ellipse">
-              <a:avLst/>
-            </a:prstGeom>
-            <a:ln w="57150">
-              <a:solidFill>
-                <a:schemeClr val="tx1"/>
-              </a:solidFill>
-            </a:ln>
-          </p:spPr>
-          <p:style>
-            <a:lnRef idx="2">
-              <a:schemeClr val="accent1">
-                <a:shade val="50000"/>
-              </a:schemeClr>
-            </a:lnRef>
-            <a:fillRef idx="1">
-              <a:schemeClr val="accent1"/>
-            </a:fillRef>
-            <a:effectRef idx="0">
-              <a:schemeClr val="accent1"/>
-            </a:effectRef>
-            <a:fontRef idx="minor">
-              <a:schemeClr val="lt1"/>
-            </a:fontRef>
-          </p:style>
-          <p:txBody>
-            <a:bodyPr rtlCol="0" anchor="ctr"/>
-            <a:lstStyle/>
-            <a:p>
-              <a:pPr algn="ctr"/>
-              <a:endParaRPr lang="zh-CN" altLang="en-US"/>
-            </a:p>
-          </p:txBody>
-        </p:sp>
         <p:cxnSp>
           <p:nvCxnSpPr>
             <p:cNvPr id="15" name="Gerader Verbinder 14">
@@ -14092,6 +14096,159 @@
             </a:fontRef>
           </p:style>
         </p:cxnSp>
+        <p:sp>
+          <p:nvSpPr>
+            <p:cNvPr id="12" name="Ellipse 11">
+              <a:extLst>
+                <a:ext uri="{FF2B5EF4-FFF2-40B4-BE49-F238E27FC236}">
+                  <a16:creationId xmlns:a16="http://schemas.microsoft.com/office/drawing/2014/main" id="{B8F00D81-4672-253B-611A-F90EA09C8C46}"/>
+                </a:ext>
+              </a:extLst>
+            </p:cNvPr>
+            <p:cNvSpPr/>
+            <p:nvPr/>
+          </p:nvSpPr>
+          <p:spPr>
+            <a:xfrm>
+              <a:off x="2437659" y="2471129"/>
+              <a:ext cx="246458" cy="242888"/>
+            </a:xfrm>
+            <a:prstGeom prst="ellipse">
+              <a:avLst/>
+            </a:prstGeom>
+            <a:ln w="57150">
+              <a:solidFill>
+                <a:schemeClr val="tx1"/>
+              </a:solidFill>
+            </a:ln>
+          </p:spPr>
+          <p:style>
+            <a:lnRef idx="2">
+              <a:schemeClr val="accent1">
+                <a:shade val="50000"/>
+              </a:schemeClr>
+            </a:lnRef>
+            <a:fillRef idx="1">
+              <a:schemeClr val="accent1"/>
+            </a:fillRef>
+            <a:effectRef idx="0">
+              <a:schemeClr val="accent1"/>
+            </a:effectRef>
+            <a:fontRef idx="minor">
+              <a:schemeClr val="lt1"/>
+            </a:fontRef>
+          </p:style>
+          <p:txBody>
+            <a:bodyPr rtlCol="0" anchor="ctr"/>
+            <a:lstStyle/>
+            <a:p>
+              <a:pPr algn="ctr"/>
+              <a:endParaRPr lang="zh-CN" altLang="en-US" dirty="0"/>
+            </a:p>
+          </p:txBody>
+        </p:sp>
+        <p:sp>
+          <p:nvSpPr>
+            <p:cNvPr id="13" name="Ellipse 12">
+              <a:extLst>
+                <a:ext uri="{FF2B5EF4-FFF2-40B4-BE49-F238E27FC236}">
+                  <a16:creationId xmlns:a16="http://schemas.microsoft.com/office/drawing/2014/main" id="{A5BF373F-F350-74B8-EB71-74DEBDC8F6A8}"/>
+                </a:ext>
+              </a:extLst>
+            </p:cNvPr>
+            <p:cNvSpPr/>
+            <p:nvPr/>
+          </p:nvSpPr>
+          <p:spPr>
+            <a:xfrm>
+              <a:off x="2437659" y="3405499"/>
+              <a:ext cx="246458" cy="242888"/>
+            </a:xfrm>
+            <a:prstGeom prst="ellipse">
+              <a:avLst/>
+            </a:prstGeom>
+            <a:ln w="57150">
+              <a:solidFill>
+                <a:schemeClr val="tx1"/>
+              </a:solidFill>
+            </a:ln>
+          </p:spPr>
+          <p:style>
+            <a:lnRef idx="2">
+              <a:schemeClr val="accent1">
+                <a:shade val="50000"/>
+              </a:schemeClr>
+            </a:lnRef>
+            <a:fillRef idx="1">
+              <a:schemeClr val="accent1"/>
+            </a:fillRef>
+            <a:effectRef idx="0">
+              <a:schemeClr val="accent1"/>
+            </a:effectRef>
+            <a:fontRef idx="minor">
+              <a:schemeClr val="lt1"/>
+            </a:fontRef>
+          </p:style>
+          <p:txBody>
+            <a:bodyPr rtlCol="0" anchor="ctr"/>
+            <a:lstStyle/>
+            <a:p>
+              <a:pPr algn="ctr"/>
+              <a:endParaRPr lang="zh-CN" altLang="en-US"/>
+            </a:p>
+          </p:txBody>
+        </p:sp>
+        <p:sp>
+          <p:nvSpPr>
+            <p:cNvPr id="14" name="Ellipse 13">
+              <a:extLst>
+                <a:ext uri="{FF2B5EF4-FFF2-40B4-BE49-F238E27FC236}">
+                  <a16:creationId xmlns:a16="http://schemas.microsoft.com/office/drawing/2014/main" id="{ED7B3143-A7F4-47AE-7067-92E50325B508}"/>
+                </a:ext>
+              </a:extLst>
+            </p:cNvPr>
+            <p:cNvSpPr/>
+            <p:nvPr/>
+          </p:nvSpPr>
+          <p:spPr>
+            <a:xfrm>
+              <a:off x="2437659" y="4339869"/>
+              <a:ext cx="246458" cy="242888"/>
+            </a:xfrm>
+            <a:prstGeom prst="ellipse">
+              <a:avLst/>
+            </a:prstGeom>
+            <a:ln w="57150">
+              <a:solidFill>
+                <a:schemeClr val="tx1"/>
+              </a:solidFill>
+            </a:ln>
+          </p:spPr>
+          <p:style>
+            <a:lnRef idx="2">
+              <a:schemeClr val="accent1">
+                <a:shade val="50000"/>
+              </a:schemeClr>
+            </a:lnRef>
+            <a:fillRef idx="1">
+              <a:schemeClr val="accent1"/>
+            </a:fillRef>
+            <a:effectRef idx="0">
+              <a:schemeClr val="accent1"/>
+            </a:effectRef>
+            <a:fontRef idx="minor">
+              <a:schemeClr val="lt1"/>
+            </a:fontRef>
+          </p:style>
+          <p:txBody>
+            <a:bodyPr rtlCol="0" anchor="ctr"/>
+            <a:lstStyle/>
+            <a:p>
+              <a:pPr algn="ctr"/>
+              <a:endParaRPr lang="zh-CN" altLang="en-US"/>
+            </a:p>
+          </p:txBody>
+        </p:sp>
       </p:grpSp>
       <p:sp>
         <p:nvSpPr>
@@ -14984,6 +15141,57 @@
           <a:chExt cx="0" cy="0"/>
         </a:xfrm>
       </p:grpSpPr>
+      <p:pic>
+        <p:nvPicPr>
+          <p:cNvPr id="3" name="Screenshot 2023-01-25 at 22.29.05.png" descr="Screenshot 2023-01-25 at 22.29.05.png">
+            <a:extLst>
+              <a:ext uri="{FF2B5EF4-FFF2-40B4-BE49-F238E27FC236}">
+                <a16:creationId xmlns:a16="http://schemas.microsoft.com/office/drawing/2014/main" id="{E0E671E0-0B64-2406-6AAB-A0BAAF8584C9}"/>
+              </a:ext>
+            </a:extLst>
+          </p:cNvPr>
+          <p:cNvPicPr>
+            <a:picLocks noChangeAspect="1"/>
+          </p:cNvPicPr>
+          <p:nvPr/>
+        </p:nvPicPr>
+        <p:blipFill rotWithShape="1">
+          <a:blip r:embed="rId2">
+            <a:alphaModFix amt="38858"/>
+            <a:extLst>
+              <a:ext uri="{BEBA8EAE-BF5A-486C-A8C5-ECC9F3942E4B}">
+                <a14:imgProps xmlns:a14="http://schemas.microsoft.com/office/drawing/2010/main">
+                  <a14:imgLayer r:embed="rId3">
+                    <a14:imgEffect>
+                      <a14:artisticPastelsSmooth/>
+                    </a14:imgEffect>
+                    <a14:imgEffect>
+                      <a14:brightnessContrast bright="-20000"/>
+                    </a14:imgEffect>
+                  </a14:imgLayer>
+                </a14:imgProps>
+              </a:ext>
+            </a:extLst>
+          </a:blip>
+          <a:srcRect l="-335" t="-4138" r="49284" b="4138"/>
+          <a:stretch/>
+        </p:blipFill>
+        <p:spPr>
+          <a:xfrm>
+            <a:off x="13661186" y="-397974"/>
+            <a:ext cx="10722814" cy="14285424"/>
+          </a:xfrm>
+          <a:prstGeom prst="rect">
+            <a:avLst/>
+          </a:prstGeom>
+          <a:ln w="12700">
+            <a:miter lim="400000"/>
+          </a:ln>
+          <a:effectLst>
+            <a:softEdge rad="635000"/>
+          </a:effectLst>
+        </p:spPr>
+      </p:pic>
       <p:sp>
         <p:nvSpPr>
           <p:cNvPr id="190" name="Demostration"/>
@@ -15856,36 +16064,6 @@
       </p:graphicFrame>
       <p:pic>
         <p:nvPicPr>
-          <p:cNvPr id="7" name="Grafik 6">
-            <a:extLst>
-              <a:ext uri="{FF2B5EF4-FFF2-40B4-BE49-F238E27FC236}">
-                <a16:creationId xmlns:a16="http://schemas.microsoft.com/office/drawing/2014/main" id="{755FE863-E67E-C7D5-37B8-EA8E40788EF2}"/>
-              </a:ext>
-            </a:extLst>
-          </p:cNvPr>
-          <p:cNvPicPr>
-            <a:picLocks noChangeAspect="1"/>
-          </p:cNvPicPr>
-          <p:nvPr/>
-        </p:nvPicPr>
-        <p:blipFill>
-          <a:blip r:embed="rId2"/>
-          <a:stretch>
-            <a:fillRect/>
-          </a:stretch>
-        </p:blipFill>
-        <p:spPr>
-          <a:xfrm>
-            <a:off x="913803" y="6280339"/>
-            <a:ext cx="11009889" cy="3171862"/>
-          </a:xfrm>
-          <a:prstGeom prst="rect">
-            <a:avLst/>
-          </a:prstGeom>
-        </p:spPr>
-      </p:pic>
-      <p:pic>
-        <p:nvPicPr>
           <p:cNvPr id="9" name="Grafik 8">
             <a:extLst>
               <a:ext uri="{FF2B5EF4-FFF2-40B4-BE49-F238E27FC236}">
@@ -15899,14 +16077,44 @@
           <p:nvPr/>
         </p:nvPicPr>
         <p:blipFill rotWithShape="1">
-          <a:blip r:embed="rId3"/>
+          <a:blip r:embed="rId4"/>
           <a:srcRect l="6777"/>
           <a:stretch/>
         </p:blipFill>
         <p:spPr>
           <a:xfrm>
-            <a:off x="913803" y="9882809"/>
+            <a:off x="924144" y="9446908"/>
             <a:ext cx="9095869" cy="3316592"/>
+          </a:xfrm>
+          <a:prstGeom prst="rect">
+            <a:avLst/>
+          </a:prstGeom>
+        </p:spPr>
+      </p:pic>
+      <p:pic>
+        <p:nvPicPr>
+          <p:cNvPr id="6" name="Grafik 5">
+            <a:extLst>
+              <a:ext uri="{FF2B5EF4-FFF2-40B4-BE49-F238E27FC236}">
+                <a16:creationId xmlns:a16="http://schemas.microsoft.com/office/drawing/2014/main" id="{FF1761C9-79A3-866F-CA98-5F093ACAD8B3}"/>
+              </a:ext>
+            </a:extLst>
+          </p:cNvPr>
+          <p:cNvPicPr>
+            <a:picLocks noChangeAspect="1"/>
+          </p:cNvPicPr>
+          <p:nvPr/>
+        </p:nvPicPr>
+        <p:blipFill>
+          <a:blip r:embed="rId5"/>
+          <a:stretch>
+            <a:fillRect/>
+          </a:stretch>
+        </p:blipFill>
+        <p:spPr>
+          <a:xfrm>
+            <a:off x="924144" y="6285367"/>
+            <a:ext cx="11327606" cy="3161541"/>
           </a:xfrm>
           <a:prstGeom prst="rect">
             <a:avLst/>
